--- a/Travaux/Presentation_Article/Resume_Article_LARJ07089501.pptx
+++ b/Travaux/Presentation_Article/Resume_Article_LARJ07089501.pptx
@@ -1615,7 +1615,7 @@
 <dgm:dataModel xmlns:dgm="http://schemas.openxmlformats.org/drawingml/2006/diagram" xmlns:a="http://schemas.openxmlformats.org/drawingml/2006/main">
   <dgm:ptLst>
     <dgm:pt modelId="{A2934EFA-5656-41D8-87A4-290946AE15B4}" type="doc">
-      <dgm:prSet loTypeId="urn:microsoft.com/office/officeart/2005/8/layout/vProcess5" loCatId="process" qsTypeId="urn:microsoft.com/office/officeart/2005/8/quickstyle/simple1" qsCatId="simple" csTypeId="urn:microsoft.com/office/officeart/2005/8/colors/accent2_2" csCatId="accent2"/>
+      <dgm:prSet loTypeId="urn:microsoft.com/office/officeart/2005/8/layout/vProcess5" loCatId="process" qsTypeId="urn:microsoft.com/office/officeart/2005/8/quickstyle/simple1" qsCatId="simple" csTypeId="urn:microsoft.com/office/officeart/2005/8/colors/accent2_2" csCatId="accent2" phldr="1"/>
       <dgm:spPr/>
       <dgm:t>
         <a:bodyPr/>
@@ -1633,10 +1633,10 @@
         <a:lstStyle/>
         <a:p>
           <a:r>
-            <a:rPr lang="fr-CA"/>
-            <a:t>Reconnaisse d’activité humain</a:t>
+            <a:rPr lang="fr-CA" dirty="0"/>
+            <a:t>Reconnaisse d’activités humaines</a:t>
           </a:r>
-          <a:endParaRPr lang="en-US"/>
+          <a:endParaRPr lang="en-US" dirty="0"/>
         </a:p>
       </dgm:t>
     </dgm:pt>
@@ -1670,10 +1670,10 @@
         <a:lstStyle/>
         <a:p>
           <a:r>
-            <a:rPr lang="fr-CA"/>
-            <a:t>Données doivent être traiter manuellement</a:t>
+            <a:rPr lang="fr-CA" dirty="0"/>
+            <a:t>Données doivent être traitées manuellement</a:t>
           </a:r>
-          <a:endParaRPr lang="en-US"/>
+          <a:endParaRPr lang="en-US" dirty="0"/>
         </a:p>
       </dgm:t>
     </dgm:pt>
@@ -1707,10 +1707,10 @@
         <a:lstStyle/>
         <a:p>
           <a:r>
-            <a:rPr lang="fr-CA"/>
-            <a:t>Donnée de capteur brutes (ex: accéléromètre, gyroscope, etc.)</a:t>
+            <a:rPr lang="fr-CA" dirty="0"/>
+            <a:t>Données de capteurs brutes (ex: accéléromètre, gyroscope, etc.)</a:t>
           </a:r>
-          <a:endParaRPr lang="en-US"/>
+          <a:endParaRPr lang="en-US" dirty="0"/>
         </a:p>
       </dgm:t>
     </dgm:pt>
@@ -1962,7 +1962,7 @@
 <dgm:dataModel xmlns:dgm="http://schemas.openxmlformats.org/drawingml/2006/diagram" xmlns:a="http://schemas.openxmlformats.org/drawingml/2006/main">
   <dgm:ptLst>
     <dgm:pt modelId="{F1EA4BF2-20E5-41D4-A1B1-B9E7697BA1A2}" type="doc">
-      <dgm:prSet loTypeId="urn:microsoft.com/office/officeart/2016/7/layout/BasicLinearProcessNumbered" loCatId="process" qsTypeId="urn:microsoft.com/office/officeart/2005/8/quickstyle/simple1" qsCatId="simple" csTypeId="urn:microsoft.com/office/officeart/2005/8/colors/accent2_2" csCatId="accent2"/>
+      <dgm:prSet loTypeId="urn:microsoft.com/office/officeart/2016/7/layout/BasicLinearProcessNumbered" loCatId="process" qsTypeId="urn:microsoft.com/office/officeart/2005/8/quickstyle/simple1" qsCatId="simple" csTypeId="urn:microsoft.com/office/officeart/2005/8/colors/accent2_2" csCatId="accent2" phldr="1"/>
       <dgm:spPr/>
       <dgm:t>
         <a:bodyPr/>
@@ -2020,10 +2020,10 @@
         <a:lstStyle/>
         <a:p>
           <a:r>
-            <a:rPr lang="fr-CA"/>
-            <a:t>Capacité de traitement de donnée brute</a:t>
+            <a:rPr lang="fr-CA" dirty="0"/>
+            <a:t>Capacité de traitement de données brutes</a:t>
           </a:r>
-          <a:endParaRPr lang="en-US"/>
+          <a:endParaRPr lang="en-US" dirty="0"/>
         </a:p>
       </dgm:t>
     </dgm:pt>
@@ -2135,9 +2135,9 @@
         <a:p>
           <a:r>
             <a:rPr lang="fr-CA"/>
-            <a:t>Problèmes de réponse multiple ou ambiguës à résoudre</a:t>
+            <a:t>Problèmes de réponses multiples ou ambiguës à résoudre</a:t>
           </a:r>
-          <a:endParaRPr lang="en-US"/>
+          <a:endParaRPr lang="en-US" dirty="0"/>
         </a:p>
       </dgm:t>
     </dgm:pt>
@@ -2502,10 +2502,10 @@
             <a:buNone/>
           </a:pPr>
           <a:r>
-            <a:rPr lang="fr-CA" sz="2100" kern="1200"/>
-            <a:t>Reconnaisse d’activité humain</a:t>
+            <a:rPr lang="fr-CA" sz="2100" kern="1200" dirty="0"/>
+            <a:t>Reconnaisse d’activités humaines</a:t>
           </a:r>
-          <a:endParaRPr lang="en-US" sz="2100" kern="1200"/>
+          <a:endParaRPr lang="en-US" sz="2100" kern="1200" dirty="0"/>
         </a:p>
       </dsp:txBody>
       <dsp:txXfrm>
@@ -2583,10 +2583,10 @@
             <a:buNone/>
           </a:pPr>
           <a:r>
-            <a:rPr lang="fr-CA" sz="2100" kern="1200"/>
-            <a:t>Données doivent être traiter manuellement</a:t>
+            <a:rPr lang="fr-CA" sz="2100" kern="1200" dirty="0"/>
+            <a:t>Données doivent être traitées manuellement</a:t>
           </a:r>
-          <a:endParaRPr lang="en-US" sz="2100" kern="1200"/>
+          <a:endParaRPr lang="en-US" sz="2100" kern="1200" dirty="0"/>
         </a:p>
         <a:p>
           <a:pPr marL="171450" lvl="1" indent="-171450" algn="l" defTabSz="711200">
@@ -2602,10 +2602,10 @@
             <a:buChar char="•"/>
           </a:pPr>
           <a:r>
-            <a:rPr lang="fr-CA" sz="1600" kern="1200"/>
-            <a:t>Donnée de capteur brutes (ex: accéléromètre, gyroscope, etc.)</a:t>
+            <a:rPr lang="fr-CA" sz="1600" kern="1200" dirty="0"/>
+            <a:t>Données de capteurs brutes (ex: accéléromètre, gyroscope, etc.)</a:t>
           </a:r>
-          <a:endParaRPr lang="en-US" sz="1600" kern="1200"/>
+          <a:endParaRPr lang="en-US" sz="1600" kern="1200" dirty="0"/>
         </a:p>
       </dsp:txBody>
       <dsp:txXfrm>
@@ -3116,10 +3116,10 @@
             <a:buChar char="•"/>
           </a:pPr>
           <a:r>
-            <a:rPr lang="fr-CA" sz="1300" kern="1200"/>
-            <a:t>Capacité de traitement de donnée brute</a:t>
+            <a:rPr lang="fr-CA" sz="1300" kern="1200" dirty="0"/>
+            <a:t>Capacité de traitement de données brutes</a:t>
           </a:r>
-          <a:endParaRPr lang="en-US" sz="1300" kern="1200"/>
+          <a:endParaRPr lang="en-US" sz="1300" kern="1200" dirty="0"/>
         </a:p>
         <a:p>
           <a:pPr marL="114300" lvl="1" indent="-114300" algn="l" defTabSz="577850">
@@ -3554,9 +3554,9 @@
           </a:pPr>
           <a:r>
             <a:rPr lang="fr-CA" sz="1700" kern="1200"/>
-            <a:t>Problèmes de réponse multiple ou ambiguës à résoudre</a:t>
+            <a:t>Problèmes de réponses multiples ou ambiguës à résoudre</a:t>
           </a:r>
-          <a:endParaRPr lang="en-US" sz="1700" kern="1200"/>
+          <a:endParaRPr lang="en-US" sz="1700" kern="1200" dirty="0"/>
         </a:p>
       </dsp:txBody>
       <dsp:txXfrm>
@@ -7627,7 +7627,7 @@
           <a:p>
             <a:fld id="{1ECB5883-038C-4696-8E27-1811E470D6D4}" type="datetime1">
               <a:rPr lang="en-US" smtClean="0"/>
-              <a:t>4/14/2024</a:t>
+              <a:t>4/16/2024</a:t>
             </a:fld>
             <a:endParaRPr lang="en-US"/>
           </a:p>
@@ -7828,7 +7828,7 @@
           <a:p>
             <a:fld id="{61E8A6D4-154B-4E4D-9001-7A6C328D243E}" type="datetime1">
               <a:rPr lang="en-US" smtClean="0"/>
-              <a:t>4/14/2024</a:t>
+              <a:t>4/16/2024</a:t>
             </a:fld>
             <a:endParaRPr lang="en-US"/>
           </a:p>
@@ -8039,7 +8039,7 @@
           <a:p>
             <a:fld id="{EF880999-9BD6-4929-BDEC-B84E21C16701}" type="datetime1">
               <a:rPr lang="en-US" smtClean="0"/>
-              <a:t>4/14/2024</a:t>
+              <a:t>4/16/2024</a:t>
             </a:fld>
             <a:endParaRPr lang="en-US"/>
           </a:p>
@@ -8240,7 +8240,7 @@
           <a:p>
             <a:fld id="{579F6069-8263-4296-913A-BC2234E8D32B}" type="datetime1">
               <a:rPr lang="en-US" smtClean="0"/>
-              <a:t>4/14/2024</a:t>
+              <a:t>4/16/2024</a:t>
             </a:fld>
             <a:endParaRPr lang="en-US"/>
           </a:p>
@@ -8520,7 +8520,7 @@
           <a:p>
             <a:fld id="{BC9F5005-EC25-4FB9-B19B-2437F0B120D2}" type="datetime1">
               <a:rPr lang="en-US" smtClean="0"/>
-              <a:t>4/14/2024</a:t>
+              <a:t>4/16/2024</a:t>
             </a:fld>
             <a:endParaRPr lang="en-US"/>
           </a:p>
@@ -8788,7 +8788,7 @@
           <a:p>
             <a:fld id="{0B283B5C-2325-42FF-AF91-C1451D9D66CC}" type="datetime1">
               <a:rPr lang="en-US" smtClean="0"/>
-              <a:t>4/14/2024</a:t>
+              <a:t>4/16/2024</a:t>
             </a:fld>
             <a:endParaRPr lang="en-US"/>
           </a:p>
@@ -9207,7 +9207,7 @@
           <a:p>
             <a:fld id="{0F88DB08-3B01-46DD-99F2-F6F6334EA669}" type="datetime1">
               <a:rPr lang="en-US" smtClean="0"/>
-              <a:t>4/14/2024</a:t>
+              <a:t>4/16/2024</a:t>
             </a:fld>
             <a:endParaRPr lang="en-US"/>
           </a:p>
@@ -9351,7 +9351,7 @@
           <a:p>
             <a:fld id="{5892AC11-ACC3-4129-BBD7-C580BF1A4EE7}" type="datetime1">
               <a:rPr lang="en-US" smtClean="0"/>
-              <a:t>4/14/2024</a:t>
+              <a:t>4/16/2024</a:t>
             </a:fld>
             <a:endParaRPr lang="en-US"/>
           </a:p>
@@ -9467,7 +9467,7 @@
           <a:p>
             <a:fld id="{6D80F7F3-E406-44E2-93AF-674B3F1A2E51}" type="datetime1">
               <a:rPr lang="en-US" smtClean="0"/>
-              <a:t>4/14/2024</a:t>
+              <a:t>4/16/2024</a:t>
             </a:fld>
             <a:endParaRPr lang="en-US"/>
           </a:p>
@@ -9785,7 +9785,7 @@
           <a:p>
             <a:fld id="{2FB1DD93-7C9D-4E53-81F0-DDE57FEA7EDB}" type="datetime1">
               <a:rPr lang="en-US" smtClean="0"/>
-              <a:t>4/14/2024</a:t>
+              <a:t>4/16/2024</a:t>
             </a:fld>
             <a:endParaRPr lang="en-US"/>
           </a:p>
@@ -10078,7 +10078,7 @@
           <a:p>
             <a:fld id="{3DF7BC28-59DE-4F83-B4A1-497203279FAD}" type="datetime1">
               <a:rPr lang="en-US" smtClean="0"/>
-              <a:t>4/14/2024</a:t>
+              <a:t>4/16/2024</a:t>
             </a:fld>
             <a:endParaRPr lang="en-US"/>
           </a:p>
@@ -10378,7 +10378,7 @@
           <a:p>
             <a:fld id="{0BDC4764-F656-4735-9820-9886F8DF1D6A}" type="datetime1">
               <a:rPr lang="en-US" smtClean="0"/>
-              <a:t>4/14/2024</a:t>
+              <a:t>4/16/2024</a:t>
             </a:fld>
             <a:endParaRPr lang="en-US" dirty="0"/>
           </a:p>
@@ -11103,7 +11103,7 @@
                   <a:spcPts val="600"/>
                 </a:spcAft>
               </a:pPr>
-              <a:t>4/14/2024</a:t>
+              <a:t>4/16/2024</a:t>
             </a:fld>
             <a:endParaRPr lang="en-US"/>
           </a:p>
@@ -11143,8 +11143,8 @@
               </a:spcAft>
             </a:pPr>
             <a:r>
-              <a:rPr lang="en-US"/>
-              <a:t>Sample Footer Text</a:t>
+              <a:rPr lang="en-US" dirty="0"/>
+              <a:t>Jean-Philippe Larouche</a:t>
             </a:r>
           </a:p>
         </p:txBody>
@@ -11211,7 +11211,7 @@
             <p:ph idx="1"/>
             <p:extLst>
               <p:ext uri="{D42A27DB-BD31-4B8C-83A1-F6EECF244321}">
-                <p14:modId xmlns:p14="http://schemas.microsoft.com/office/powerpoint/2010/main" val="2386954764"/>
+                <p14:modId xmlns:p14="http://schemas.microsoft.com/office/powerpoint/2010/main" val="3419265467"/>
               </p:ext>
             </p:extLst>
           </p:nvPr>
@@ -11308,7 +11308,9 @@
           </a:xfrm>
         </p:spPr>
         <p:txBody>
-          <a:bodyPr/>
+          <a:bodyPr>
+            <a:normAutofit lnSpcReduction="10000"/>
+          </a:bodyPr>
           <a:lstStyle/>
           <a:p>
             <a:r>
@@ -11338,7 +11340,7 @@
           <a:p>
             <a:r>
               <a:rPr lang="fr-CA" dirty="0"/>
-              <a:t>Trois mesures de performances</a:t>
+              <a:t>Trois mesures de performance</a:t>
             </a:r>
           </a:p>
           <a:p>
@@ -11354,6 +11356,12 @@
             <a:r>
               <a:rPr lang="fr-CA" dirty="0"/>
               <a:t> et F1-Score</a:t>
+            </a:r>
+          </a:p>
+          <a:p>
+            <a:r>
+              <a:rPr lang="fr-CA" dirty="0"/>
+              <a:t>Tester avec GPT4</a:t>
             </a:r>
           </a:p>
           <a:p>
@@ -11384,9 +11392,9 @@
           <a:p>
             <a:fld id="{579F6069-8263-4296-913A-BC2234E8D32B}" type="datetime1">
               <a:rPr lang="en-US" smtClean="0"/>
-              <a:t>4/14/2024</a:t>
+              <a:t>4/16/2024</a:t>
             </a:fld>
-            <a:endParaRPr lang="en-US"/>
+            <a:endParaRPr lang="en-US" dirty="0"/>
           </a:p>
         </p:txBody>
       </p:sp>
@@ -11412,8 +11420,8 @@
           <a:lstStyle/>
           <a:p>
             <a:r>
-              <a:rPr lang="en-US"/>
-              <a:t>Sample Footer Text</a:t>
+              <a:rPr lang="en-US" dirty="0"/>
+              <a:t>Jean-Philippe Larouche</a:t>
             </a:r>
           </a:p>
         </p:txBody>
@@ -11547,7 +11555,7 @@
         </p:blipFill>
         <p:spPr>
           <a:xfrm>
-            <a:off x="6096000" y="4314211"/>
+            <a:off x="3422690" y="4282242"/>
             <a:ext cx="4921250" cy="2162105"/>
           </a:xfrm>
           <a:prstGeom prst="rect">
@@ -11601,7 +11609,12 @@
             <p:ph type="title"/>
           </p:nvPr>
         </p:nvSpPr>
-        <p:spPr/>
+        <p:spPr>
+          <a:xfrm>
+            <a:off x="871108" y="588245"/>
+            <a:ext cx="10449784" cy="803740"/>
+          </a:xfrm>
+        </p:spPr>
         <p:txBody>
           <a:bodyPr/>
           <a:lstStyle/>
@@ -11644,7 +11657,7 @@
         </p:blipFill>
         <p:spPr>
           <a:xfrm>
-            <a:off x="877888" y="2222428"/>
+            <a:off x="871108" y="1535172"/>
             <a:ext cx="4976812" cy="3891106"/>
           </a:xfrm>
         </p:spPr>
@@ -11679,7 +11692,7 @@
         </p:blipFill>
         <p:spPr>
           <a:xfrm>
-            <a:off x="6327775" y="2218848"/>
+            <a:off x="6334554" y="1535172"/>
             <a:ext cx="4986338" cy="3898267"/>
           </a:xfrm>
         </p:spPr>
@@ -11707,7 +11720,7 @@
           <a:p>
             <a:fld id="{0B283B5C-2325-42FF-AF91-C1451D9D66CC}" type="datetime1">
               <a:rPr lang="en-US" smtClean="0"/>
-              <a:t>4/14/2024</a:t>
+              <a:t>4/16/2024</a:t>
             </a:fld>
             <a:endParaRPr lang="en-US"/>
           </a:p>
@@ -11735,8 +11748,8 @@
           <a:lstStyle/>
           <a:p>
             <a:r>
-              <a:rPr lang="en-US"/>
-              <a:t>Sample Footer Text</a:t>
+              <a:rPr lang="en-US" dirty="0"/>
+              <a:t>Jean-Philippe Larouche</a:t>
             </a:r>
           </a:p>
         </p:txBody>
@@ -11767,6 +11780,76 @@
               <a:t>4</a:t>
             </a:fld>
             <a:endParaRPr lang="en-US"/>
+          </a:p>
+        </p:txBody>
+      </p:sp>
+      <p:sp>
+        <p:nvSpPr>
+          <p:cNvPr id="3" name="ZoneTexte 2">
+            <a:extLst>
+              <a:ext uri="{FF2B5EF4-FFF2-40B4-BE49-F238E27FC236}">
+                <a16:creationId xmlns:a16="http://schemas.microsoft.com/office/drawing/2014/main" id="{6B7DC4A9-466B-AA1B-B56D-6001909D88B1}"/>
+              </a:ext>
+            </a:extLst>
+          </p:cNvPr>
+          <p:cNvSpPr txBox="1"/>
+          <p:nvPr/>
+        </p:nvSpPr>
+        <p:spPr>
+          <a:xfrm>
+            <a:off x="2747936" y="5521982"/>
+            <a:ext cx="1223155" cy="369332"/>
+          </a:xfrm>
+          <a:prstGeom prst="rect">
+            <a:avLst/>
+          </a:prstGeom>
+          <a:noFill/>
+        </p:spPr>
+        <p:txBody>
+          <a:bodyPr wrap="none" rtlCol="0">
+            <a:spAutoFit/>
+          </a:bodyPr>
+          <a:lstStyle/>
+          <a:p>
+            <a:r>
+              <a:rPr lang="en-CA" b="1" dirty="0"/>
+              <a:t>Capture24</a:t>
+            </a:r>
+          </a:p>
+        </p:txBody>
+      </p:sp>
+      <p:sp>
+        <p:nvSpPr>
+          <p:cNvPr id="4" name="ZoneTexte 3">
+            <a:extLst>
+              <a:ext uri="{FF2B5EF4-FFF2-40B4-BE49-F238E27FC236}">
+                <a16:creationId xmlns:a16="http://schemas.microsoft.com/office/drawing/2014/main" id="{F0719CB0-83DE-773C-9393-E1CE94B9ADE7}"/>
+              </a:ext>
+            </a:extLst>
+          </p:cNvPr>
+          <p:cNvSpPr txBox="1"/>
+          <p:nvPr/>
+        </p:nvSpPr>
+        <p:spPr>
+          <a:xfrm>
+            <a:off x="8440437" y="5525562"/>
+            <a:ext cx="774571" cy="369332"/>
+          </a:xfrm>
+          <a:prstGeom prst="rect">
+            <a:avLst/>
+          </a:prstGeom>
+          <a:noFill/>
+        </p:spPr>
+        <p:txBody>
+          <a:bodyPr wrap="none" rtlCol="0">
+            <a:spAutoFit/>
+          </a:bodyPr>
+          <a:lstStyle/>
+          <a:p>
+            <a:r>
+              <a:rPr lang="en-CA" b="1" dirty="0"/>
+              <a:t>HHAR</a:t>
+            </a:r>
           </a:p>
         </p:txBody>
       </p:sp>
@@ -11912,7 +11995,7 @@
                   <a:spcPts val="600"/>
                 </a:spcAft>
               </a:pPr>
-              <a:t>4/14/2024</a:t>
+              <a:t>4/16/2024</a:t>
             </a:fld>
             <a:endParaRPr lang="en-US"/>
           </a:p>
@@ -11952,8 +12035,8 @@
               </a:spcAft>
             </a:pPr>
             <a:r>
-              <a:rPr lang="en-US"/>
-              <a:t>Sample Footer Text</a:t>
+              <a:rPr lang="en-US" dirty="0"/>
+              <a:t>Jean-Philippe</a:t>
             </a:r>
           </a:p>
         </p:txBody>
@@ -12110,7 +12193,7 @@
                   <a:spcPts val="600"/>
                 </a:spcAft>
               </a:pPr>
-              <a:t>4/14/2024</a:t>
+              <a:t>4/16/2024</a:t>
             </a:fld>
             <a:endParaRPr lang="en-US"/>
           </a:p>
@@ -12150,8 +12233,8 @@
               </a:spcAft>
             </a:pPr>
             <a:r>
-              <a:rPr lang="en-US"/>
-              <a:t>Sample Footer Text</a:t>
+              <a:rPr lang="en-US" dirty="0"/>
+              <a:t>Jean-Philippe</a:t>
             </a:r>
           </a:p>
         </p:txBody>
@@ -12218,7 +12301,7 @@
             <p:ph idx="1"/>
             <p:extLst>
               <p:ext uri="{D42A27DB-BD31-4B8C-83A1-F6EECF244321}">
-                <p14:modId xmlns:p14="http://schemas.microsoft.com/office/powerpoint/2010/main" val="3748114373"/>
+                <p14:modId xmlns:p14="http://schemas.microsoft.com/office/powerpoint/2010/main" val="2959426179"/>
               </p:ext>
             </p:extLst>
           </p:nvPr>
